--- a/Notes and Slides/CIS399Wk4Day2-Geolocation.pptx
+++ b/Notes and Slides/CIS399Wk4Day2-Geolocation.pptx
@@ -139,7 +139,7 @@
   </p:defaultTextStyle>
   <p:extLst>
     <p:ext uri="{EFAFB233-063F-42B5-8137-9DF3F51BA10A}">
-      <p15:sldGuideLst xmlns="" xmlns:p15="http://schemas.microsoft.com/office/powerpoint/2012/main">
+      <p15:sldGuideLst xmlns:p15="http://schemas.microsoft.com/office/powerpoint/2012/main">
         <p15:guide id="1" orient="horz" pos="2160">
           <p15:clr>
             <a:srgbClr val="A4A3A4"/>
@@ -238,7 +238,7 @@
           <a:p>
             <a:fld id="{1FC32AA1-1225-9048-80C3-2B6F58548154}" type="datetimeFigureOut">
               <a:rPr lang="en-US" smtClean="0"/>
-              <a:t>7/13/16</a:t>
+              <a:t>7/19/17</a:t>
             </a:fld>
             <a:endParaRPr lang="en-US"/>
           </a:p>
@@ -660,12 +660,12 @@
               <a:defRPr/>
             </a:pPr>
             <a:r>
-              <a:rPr lang="en-US" sz="2000" smtClean="0"/>
+              <a:rPr lang="en-US" sz="2000" dirty="0" smtClean="0"/>
               <a:t>Required for automatic management of the connection to Google Play Services</a:t>
             </a:r>
           </a:p>
           <a:p>
-            <a:endParaRPr lang="en-US"/>
+            <a:endParaRPr lang="en-US" dirty="0"/>
           </a:p>
         </p:txBody>
       </p:sp>
@@ -686,7 +686,7 @@
           <a:p>
             <a:fld id="{44EB6C7D-DFD8-944D-93E3-D07F7EBDDEA8}" type="slidenum">
               <a:rPr lang="en-US" smtClean="0"/>
-              <a:t>16</a:t>
+              <a:t>15</a:t>
             </a:fld>
             <a:endParaRPr lang="en-US"/>
           </a:p>
@@ -749,7 +749,7 @@
           <a:bodyPr/>
           <a:lstStyle/>
           <a:p>
-            <a:pPr marL="0" marR="0" indent="0" algn="l" defTabSz="457200" rtl="0" eaLnBrk="1" fontAlgn="auto" latinLnBrk="0" hangingPunct="1">
+            <a:pPr marL="0" marR="0" lvl="1" indent="0" algn="l" defTabSz="457200" rtl="0" eaLnBrk="1" fontAlgn="auto" latinLnBrk="0" hangingPunct="1">
               <a:lnSpc>
                 <a:spcPct val="100000"/>
               </a:lnSpc>
@@ -766,7 +766,13 @@
               <a:tabLst/>
               <a:defRPr/>
             </a:pPr>
-            <a:endParaRPr lang="en-US" dirty="0"/>
+            <a:r>
+              <a:rPr lang="en-US" sz="2000" smtClean="0"/>
+              <a:t>Required for automatic management of the connection to Google Play Services</a:t>
+            </a:r>
+          </a:p>
+          <a:p>
+            <a:endParaRPr lang="en-US"/>
           </a:p>
         </p:txBody>
       </p:sp>
@@ -785,9 +791,9 @@
           <a:bodyPr/>
           <a:lstStyle/>
           <a:p>
-            <a:fld id="{E94675F0-C2CB-0246-91F1-0967C899A5BC}" type="slidenum">
+            <a:fld id="{44EB6C7D-DFD8-944D-93E3-D07F7EBDDEA8}" type="slidenum">
               <a:rPr lang="en-US" smtClean="0"/>
-              <a:t>19</a:t>
+              <a:t>16</a:t>
             </a:fld>
             <a:endParaRPr lang="en-US"/>
           </a:p>
@@ -796,7 +802,7 @@
     </p:spTree>
     <p:extLst>
       <p:ext uri="{BB962C8B-B14F-4D97-AF65-F5344CB8AC3E}">
-        <p14:creationId xmlns:p14="http://schemas.microsoft.com/office/powerpoint/2010/main" val="1678288494"/>
+        <p14:creationId xmlns:p14="http://schemas.microsoft.com/office/powerpoint/2010/main" val="1308882993"/>
       </p:ext>
     </p:extLst>
   </p:cSld>
@@ -850,22 +856,23 @@
           <a:bodyPr/>
           <a:lstStyle/>
           <a:p>
-            <a:r>
-              <a:rPr lang="en-US" dirty="0" smtClean="0"/>
-              <a:t>https://</a:t>
-            </a:r>
-            <a:r>
-              <a:rPr lang="en-US" dirty="0" err="1" smtClean="0"/>
-              <a:t>developer.android.com</a:t>
-            </a:r>
-            <a:r>
-              <a:rPr lang="en-US" dirty="0" smtClean="0"/>
-              <a:t>/training/location/retrieve-</a:t>
-            </a:r>
-            <a:r>
-              <a:rPr lang="en-US" dirty="0" err="1" smtClean="0"/>
-              <a:t>current.html</a:t>
-            </a:r>
+            <a:pPr marL="0" marR="0" indent="0" algn="l" defTabSz="457200" rtl="0" eaLnBrk="1" fontAlgn="auto" latinLnBrk="0" hangingPunct="1">
+              <a:lnSpc>
+                <a:spcPct val="100000"/>
+              </a:lnSpc>
+              <a:spcBef>
+                <a:spcPts val="0"/>
+              </a:spcBef>
+              <a:spcAft>
+                <a:spcPts val="0"/>
+              </a:spcAft>
+              <a:buClrTx/>
+              <a:buSzTx/>
+              <a:buFontTx/>
+              <a:buNone/>
+              <a:tabLst/>
+              <a:defRPr/>
+            </a:pPr>
             <a:endParaRPr lang="en-US" dirty="0"/>
           </a:p>
         </p:txBody>
@@ -887,7 +894,7 @@
           <a:p>
             <a:fld id="{E94675F0-C2CB-0246-91F1-0967C899A5BC}" type="slidenum">
               <a:rPr lang="en-US" smtClean="0"/>
-              <a:t>20</a:t>
+              <a:t>19</a:t>
             </a:fld>
             <a:endParaRPr lang="en-US"/>
           </a:p>
@@ -896,7 +903,7 @@
     </p:spTree>
     <p:extLst>
       <p:ext uri="{BB962C8B-B14F-4D97-AF65-F5344CB8AC3E}">
-        <p14:creationId xmlns:p14="http://schemas.microsoft.com/office/powerpoint/2010/main" val="3155226798"/>
+        <p14:creationId xmlns:p14="http://schemas.microsoft.com/office/powerpoint/2010/main" val="1678288494"/>
       </p:ext>
     </p:extLst>
   </p:cSld>
@@ -956,11 +963,15 @@
             </a:r>
             <a:r>
               <a:rPr lang="en-US" dirty="0" err="1" smtClean="0"/>
-              <a:t>birdsbits.wordpress.com</a:t>
+              <a:t>developer.android.com</a:t>
             </a:r>
             <a:r>
               <a:rPr lang="en-US" dirty="0" smtClean="0"/>
-              <a:t>/2016/05/27/create-location-aware-android-apps/</a:t>
+              <a:t>/training/location/retrieve-</a:t>
+            </a:r>
+            <a:r>
+              <a:rPr lang="en-US" dirty="0" err="1" smtClean="0"/>
+              <a:t>current.html</a:t>
             </a:r>
             <a:endParaRPr lang="en-US" dirty="0"/>
           </a:p>
@@ -981,9 +992,9 @@
           <a:bodyPr/>
           <a:lstStyle/>
           <a:p>
-            <a:fld id="{44EB6C7D-DFD8-944D-93E3-D07F7EBDDEA8}" type="slidenum">
+            <a:fld id="{E94675F0-C2CB-0246-91F1-0967C899A5BC}" type="slidenum">
               <a:rPr lang="en-US" smtClean="0"/>
-              <a:t>21</a:t>
+              <a:t>20</a:t>
             </a:fld>
             <a:endParaRPr lang="en-US"/>
           </a:p>
@@ -992,7 +1003,7 @@
     </p:spTree>
     <p:extLst>
       <p:ext uri="{BB962C8B-B14F-4D97-AF65-F5344CB8AC3E}">
-        <p14:creationId xmlns:p14="http://schemas.microsoft.com/office/powerpoint/2010/main" val="2094514162"/>
+        <p14:creationId xmlns:p14="http://schemas.microsoft.com/office/powerpoint/2010/main" val="3155226798"/>
       </p:ext>
     </p:extLst>
   </p:cSld>
@@ -1079,7 +1090,7 @@
           <a:p>
             <a:fld id="{44EB6C7D-DFD8-944D-93E3-D07F7EBDDEA8}" type="slidenum">
               <a:rPr lang="en-US" smtClean="0"/>
-              <a:t>22</a:t>
+              <a:t>21</a:t>
             </a:fld>
             <a:endParaRPr lang="en-US"/>
           </a:p>
@@ -1175,7 +1186,7 @@
           <a:p>
             <a:fld id="{44EB6C7D-DFD8-944D-93E3-D07F7EBDDEA8}" type="slidenum">
               <a:rPr lang="en-US" smtClean="0"/>
-              <a:t>23</a:t>
+              <a:t>22</a:t>
             </a:fld>
             <a:endParaRPr lang="en-US"/>
           </a:p>
@@ -1271,7 +1282,7 @@
           <a:p>
             <a:fld id="{44EB6C7D-DFD8-944D-93E3-D07F7EBDDEA8}" type="slidenum">
               <a:rPr lang="en-US" smtClean="0"/>
-              <a:t>24</a:t>
+              <a:t>23</a:t>
             </a:fld>
             <a:endParaRPr lang="en-US"/>
           </a:p>
@@ -1367,7 +1378,7 @@
           <a:p>
             <a:fld id="{44EB6C7D-DFD8-944D-93E3-D07F7EBDDEA8}" type="slidenum">
               <a:rPr lang="en-US" smtClean="0"/>
-              <a:t>25</a:t>
+              <a:t>24</a:t>
             </a:fld>
             <a:endParaRPr lang="en-US"/>
           </a:p>
@@ -1463,7 +1474,7 @@
           <a:p>
             <a:fld id="{44EB6C7D-DFD8-944D-93E3-D07F7EBDDEA8}" type="slidenum">
               <a:rPr lang="en-US" smtClean="0"/>
-              <a:t>26</a:t>
+              <a:t>25</a:t>
             </a:fld>
             <a:endParaRPr lang="en-US"/>
           </a:p>
@@ -1559,7 +1570,7 @@
           <a:p>
             <a:fld id="{44EB6C7D-DFD8-944D-93E3-D07F7EBDDEA8}" type="slidenum">
               <a:rPr lang="en-US" smtClean="0"/>
-              <a:t>27</a:t>
+              <a:t>26</a:t>
             </a:fld>
             <a:endParaRPr lang="en-US"/>
           </a:p>
@@ -1755,7 +1766,7 @@
           <a:p>
             <a:fld id="{44EB6C7D-DFD8-944D-93E3-D07F7EBDDEA8}" type="slidenum">
               <a:rPr lang="en-US" smtClean="0"/>
-              <a:t>28</a:t>
+              <a:t>27</a:t>
             </a:fld>
             <a:endParaRPr lang="en-US"/>
           </a:p>
@@ -1851,6 +1862,102 @@
           <a:p>
             <a:fld id="{44EB6C7D-DFD8-944D-93E3-D07F7EBDDEA8}" type="slidenum">
               <a:rPr lang="en-US" smtClean="0"/>
+              <a:t>28</a:t>
+            </a:fld>
+            <a:endParaRPr lang="en-US"/>
+          </a:p>
+        </p:txBody>
+      </p:sp>
+    </p:spTree>
+    <p:extLst>
+      <p:ext uri="{BB962C8B-B14F-4D97-AF65-F5344CB8AC3E}">
+        <p14:creationId xmlns:p14="http://schemas.microsoft.com/office/powerpoint/2010/main" val="2094514162"/>
+      </p:ext>
+    </p:extLst>
+  </p:cSld>
+  <p:clrMapOvr>
+    <a:masterClrMapping/>
+  </p:clrMapOvr>
+</p:notes>
+</file>
+
+<file path=ppt/notesSlides/notesSlide22.xml><?xml version="1.0" encoding="utf-8"?>
+<p:notes xmlns:a="http://schemas.openxmlformats.org/drawingml/2006/main" xmlns:r="http://schemas.openxmlformats.org/officeDocument/2006/relationships" xmlns:p="http://schemas.openxmlformats.org/presentationml/2006/main">
+  <p:cSld>
+    <p:spTree>
+      <p:nvGrpSpPr>
+        <p:cNvPr id="1" name=""/>
+        <p:cNvGrpSpPr/>
+        <p:nvPr/>
+      </p:nvGrpSpPr>
+      <p:grpSpPr>
+        <a:xfrm>
+          <a:off x="0" y="0"/>
+          <a:ext cx="0" cy="0"/>
+          <a:chOff x="0" y="0"/>
+          <a:chExt cx="0" cy="0"/>
+        </a:xfrm>
+      </p:grpSpPr>
+      <p:sp>
+        <p:nvSpPr>
+          <p:cNvPr id="2" name="Slide Image Placeholder 1"/>
+          <p:cNvSpPr>
+            <a:spLocks noGrp="1" noRot="1" noChangeAspect="1"/>
+          </p:cNvSpPr>
+          <p:nvPr>
+            <p:ph type="sldImg"/>
+          </p:nvPr>
+        </p:nvSpPr>
+        <p:spPr/>
+      </p:sp>
+      <p:sp>
+        <p:nvSpPr>
+          <p:cNvPr id="3" name="Notes Placeholder 2"/>
+          <p:cNvSpPr>
+            <a:spLocks noGrp="1"/>
+          </p:cNvSpPr>
+          <p:nvPr>
+            <p:ph type="body" idx="1"/>
+          </p:nvPr>
+        </p:nvSpPr>
+        <p:spPr/>
+        <p:txBody>
+          <a:bodyPr/>
+          <a:lstStyle/>
+          <a:p>
+            <a:r>
+              <a:rPr lang="en-US" dirty="0" smtClean="0"/>
+              <a:t>https://</a:t>
+            </a:r>
+            <a:r>
+              <a:rPr lang="en-US" dirty="0" err="1" smtClean="0"/>
+              <a:t>birdsbits.wordpress.com</a:t>
+            </a:r>
+            <a:r>
+              <a:rPr lang="en-US" dirty="0" smtClean="0"/>
+              <a:t>/2016/05/27/create-location-aware-android-apps/</a:t>
+            </a:r>
+            <a:endParaRPr lang="en-US" dirty="0"/>
+          </a:p>
+        </p:txBody>
+      </p:sp>
+      <p:sp>
+        <p:nvSpPr>
+          <p:cNvPr id="4" name="Slide Number Placeholder 3"/>
+          <p:cNvSpPr>
+            <a:spLocks noGrp="1"/>
+          </p:cNvSpPr>
+          <p:nvPr>
+            <p:ph type="sldNum" sz="quarter" idx="10"/>
+          </p:nvPr>
+        </p:nvSpPr>
+        <p:spPr/>
+        <p:txBody>
+          <a:bodyPr/>
+          <a:lstStyle/>
+          <a:p>
+            <a:fld id="{44EB6C7D-DFD8-944D-93E3-D07F7EBDDEA8}" type="slidenum">
+              <a:rPr lang="en-US" smtClean="0"/>
               <a:t>29</a:t>
             </a:fld>
             <a:endParaRPr lang="en-US"/>
@@ -1914,18 +2021,19 @@
           <a:bodyPr/>
           <a:lstStyle/>
           <a:p>
-            <a:pPr lvl="0"/>
-            <a:r>
-              <a:rPr lang="en-US" dirty="0" smtClean="0">
-                <a:hlinkClick r:id="rId3"/>
-              </a:rPr>
-              <a:t>https://birdsbits.wordpress.com/2016/05/27/create-location-aware-android-apps/</a:t>
-            </a:r>
             <a:r>
               <a:rPr lang="en-US" dirty="0" smtClean="0"/>
-              <a:t> </a:t>
-            </a:r>
-            <a:endParaRPr lang="en-US" dirty="0" smtClean="0"/>
+              <a:t>Pros and Cons</a:t>
+            </a:r>
+            <a:r>
+              <a:rPr lang="en-US" baseline="0" dirty="0" smtClean="0"/>
+              <a:t> of Network apply to both cellular and </a:t>
+            </a:r>
+            <a:r>
+              <a:rPr lang="en-US" baseline="0" dirty="0" err="1" smtClean="0"/>
+              <a:t>WiFi</a:t>
+            </a:r>
+            <a:endParaRPr lang="en-US" dirty="0"/>
           </a:p>
         </p:txBody>
       </p:sp>
@@ -1944,9 +2052,9 @@
           <a:bodyPr/>
           <a:lstStyle/>
           <a:p>
-            <a:fld id="{E94675F0-C2CB-0246-91F1-0967C899A5BC}" type="slidenum">
+            <a:fld id="{44EB6C7D-DFD8-944D-93E3-D07F7EBDDEA8}" type="slidenum">
               <a:rPr lang="en-US" smtClean="0"/>
-              <a:t>7</a:t>
+              <a:t>5</a:t>
             </a:fld>
             <a:endParaRPr lang="en-US"/>
           </a:p>
@@ -1955,7 +2063,7 @@
     </p:spTree>
     <p:extLst>
       <p:ext uri="{BB962C8B-B14F-4D97-AF65-F5344CB8AC3E}">
-        <p14:creationId xmlns:p14="http://schemas.microsoft.com/office/powerpoint/2010/main" val="1020492464"/>
+        <p14:creationId xmlns:p14="http://schemas.microsoft.com/office/powerpoint/2010/main" val="42739117"/>
       </p:ext>
     </p:extLst>
   </p:cSld>
@@ -2009,23 +2117,17 @@
           <a:bodyPr/>
           <a:lstStyle/>
           <a:p>
+            <a:pPr lvl="0"/>
             <a:r>
               <a:rPr lang="en-US" dirty="0" smtClean="0">
                 <a:hlinkClick r:id="rId3"/>
               </a:rPr>
-              <a:t>https://birdsbits.wordpress.com/2016/05/27/the-google-play-services-apis</a:t>
-            </a:r>
-            <a:endParaRPr lang="en-US" dirty="0" smtClean="0"/>
-          </a:p>
-          <a:p>
-            <a:endParaRPr lang="en-US" dirty="0" smtClean="0"/>
-          </a:p>
-          <a:p>
+              <a:t>https://birdsbits.wordpress.com/2016/05/27/create-location-aware-android-apps/</a:t>
+            </a:r>
             <a:r>
               <a:rPr lang="en-US" dirty="0" smtClean="0"/>
-              <a:t>GPS is also called Google API’s for android</a:t>
-            </a:r>
-            <a:endParaRPr lang="en-US" dirty="0"/>
+              <a:t> </a:t>
+            </a:r>
           </a:p>
         </p:txBody>
       </p:sp>
@@ -2044,9 +2146,9 @@
           <a:bodyPr/>
           <a:lstStyle/>
           <a:p>
-            <a:fld id="{44EB6C7D-DFD8-944D-93E3-D07F7EBDDEA8}" type="slidenum">
+            <a:fld id="{E94675F0-C2CB-0246-91F1-0967C899A5BC}" type="slidenum">
               <a:rPr lang="en-US" smtClean="0"/>
-              <a:t>9</a:t>
+              <a:t>7</a:t>
             </a:fld>
             <a:endParaRPr lang="en-US"/>
           </a:p>
@@ -2055,7 +2157,7 @@
     </p:spTree>
     <p:extLst>
       <p:ext uri="{BB962C8B-B14F-4D97-AF65-F5344CB8AC3E}">
-        <p14:creationId xmlns:p14="http://schemas.microsoft.com/office/powerpoint/2010/main" val="1032035051"/>
+        <p14:creationId xmlns:p14="http://schemas.microsoft.com/office/powerpoint/2010/main" val="1020492464"/>
       </p:ext>
     </p:extLst>
   </p:cSld>
@@ -2109,6 +2211,22 @@
           <a:bodyPr/>
           <a:lstStyle/>
           <a:p>
+            <a:r>
+              <a:rPr lang="en-US" dirty="0" smtClean="0">
+                <a:hlinkClick r:id="rId3"/>
+              </a:rPr>
+              <a:t>https://birdsbits.wordpress.com/2016/05/27/the-google-play-services-apis</a:t>
+            </a:r>
+            <a:endParaRPr lang="en-US" dirty="0" smtClean="0"/>
+          </a:p>
+          <a:p>
+            <a:endParaRPr lang="en-US" dirty="0" smtClean="0"/>
+          </a:p>
+          <a:p>
+            <a:r>
+              <a:rPr lang="en-US" dirty="0" smtClean="0"/>
+              <a:t>GPS is also called Google API’s for android</a:t>
+            </a:r>
             <a:endParaRPr lang="en-US" dirty="0"/>
           </a:p>
         </p:txBody>
@@ -2130,7 +2248,7 @@
           <a:p>
             <a:fld id="{44EB6C7D-DFD8-944D-93E3-D07F7EBDDEA8}" type="slidenum">
               <a:rPr lang="en-US" smtClean="0"/>
-              <a:t>10</a:t>
+              <a:t>9</a:t>
             </a:fld>
             <a:endParaRPr lang="en-US"/>
           </a:p>
@@ -2139,7 +2257,7 @@
     </p:spTree>
     <p:extLst>
       <p:ext uri="{BB962C8B-B14F-4D97-AF65-F5344CB8AC3E}">
-        <p14:creationId xmlns:p14="http://schemas.microsoft.com/office/powerpoint/2010/main" val="845520868"/>
+        <p14:creationId xmlns:p14="http://schemas.microsoft.com/office/powerpoint/2010/main" val="1032035051"/>
       </p:ext>
     </p:extLst>
   </p:cSld>
@@ -2193,52 +2311,6 @@
           <a:bodyPr/>
           <a:lstStyle/>
           <a:p>
-            <a:r>
-              <a:rPr lang="en-US" dirty="0" smtClean="0"/>
-              <a:t>GPS = Google Play Services</a:t>
-            </a:r>
-          </a:p>
-          <a:p>
-            <a:r>
-              <a:rPr lang="en-US" dirty="0" smtClean="0"/>
-              <a:t>Add</a:t>
-            </a:r>
-            <a:r>
-              <a:rPr lang="en-US" baseline="0" dirty="0" smtClean="0"/>
-              <a:t> GPS to your project:</a:t>
-            </a:r>
-            <a:endParaRPr lang="en-US" dirty="0" smtClean="0"/>
-          </a:p>
-          <a:p>
-            <a:pPr marL="0" marR="0" indent="0" algn="l" defTabSz="457200" rtl="0" eaLnBrk="1" fontAlgn="auto" latinLnBrk="0" hangingPunct="1">
-              <a:lnSpc>
-                <a:spcPct val="100000"/>
-              </a:lnSpc>
-              <a:spcBef>
-                <a:spcPts val="0"/>
-              </a:spcBef>
-              <a:spcAft>
-                <a:spcPts val="0"/>
-              </a:spcAft>
-              <a:buClrTx/>
-              <a:buSzTx/>
-              <a:buFontTx/>
-              <a:buNone/>
-              <a:tabLst/>
-              <a:defRPr/>
-            </a:pPr>
-            <a:r>
-              <a:rPr lang="en-US" dirty="0" smtClean="0">
-                <a:hlinkClick r:id="rId3"/>
-              </a:rPr>
-              <a:t>https://developers.google.com/android/guides/setup#add_google_play_services_to_your_project</a:t>
-            </a:r>
-            <a:r>
-              <a:rPr lang="en-US" dirty="0" smtClean="0"/>
-              <a:t> </a:t>
-            </a:r>
-          </a:p>
-          <a:p>
             <a:endParaRPr lang="en-US" dirty="0"/>
           </a:p>
         </p:txBody>
@@ -2260,7 +2332,7 @@
           <a:p>
             <a:fld id="{44EB6C7D-DFD8-944D-93E3-D07F7EBDDEA8}" type="slidenum">
               <a:rPr lang="en-US" smtClean="0"/>
-              <a:t>11</a:t>
+              <a:t>10</a:t>
             </a:fld>
             <a:endParaRPr lang="en-US"/>
           </a:p>
@@ -2269,7 +2341,7 @@
     </p:spTree>
     <p:extLst>
       <p:ext uri="{BB962C8B-B14F-4D97-AF65-F5344CB8AC3E}">
-        <p14:creationId xmlns:p14="http://schemas.microsoft.com/office/powerpoint/2010/main" val="768986245"/>
+        <p14:creationId xmlns:p14="http://schemas.microsoft.com/office/powerpoint/2010/main" val="845520868"/>
       </p:ext>
     </p:extLst>
   </p:cSld>
@@ -2323,6 +2395,52 @@
           <a:bodyPr/>
           <a:lstStyle/>
           <a:p>
+            <a:r>
+              <a:rPr lang="en-US" dirty="0" smtClean="0"/>
+              <a:t>GPS = Google Play Services</a:t>
+            </a:r>
+          </a:p>
+          <a:p>
+            <a:r>
+              <a:rPr lang="en-US" dirty="0" smtClean="0"/>
+              <a:t>Add</a:t>
+            </a:r>
+            <a:r>
+              <a:rPr lang="en-US" baseline="0" dirty="0" smtClean="0"/>
+              <a:t> GPS to your project:</a:t>
+            </a:r>
+            <a:endParaRPr lang="en-US" dirty="0" smtClean="0"/>
+          </a:p>
+          <a:p>
+            <a:pPr marL="0" marR="0" indent="0" algn="l" defTabSz="457200" rtl="0" eaLnBrk="1" fontAlgn="auto" latinLnBrk="0" hangingPunct="1">
+              <a:lnSpc>
+                <a:spcPct val="100000"/>
+              </a:lnSpc>
+              <a:spcBef>
+                <a:spcPts val="0"/>
+              </a:spcBef>
+              <a:spcAft>
+                <a:spcPts val="0"/>
+              </a:spcAft>
+              <a:buClrTx/>
+              <a:buSzTx/>
+              <a:buFontTx/>
+              <a:buNone/>
+              <a:tabLst/>
+              <a:defRPr/>
+            </a:pPr>
+            <a:r>
+              <a:rPr lang="en-US" dirty="0" smtClean="0">
+                <a:hlinkClick r:id="rId3"/>
+              </a:rPr>
+              <a:t>https://developers.google.com/android/guides/setup#add_google_play_services_to_your_project</a:t>
+            </a:r>
+            <a:r>
+              <a:rPr lang="en-US" dirty="0" smtClean="0"/>
+              <a:t> </a:t>
+            </a:r>
+          </a:p>
+          <a:p>
             <a:endParaRPr lang="en-US" dirty="0"/>
           </a:p>
         </p:txBody>
@@ -2344,7 +2462,7 @@
           <a:p>
             <a:fld id="{44EB6C7D-DFD8-944D-93E3-D07F7EBDDEA8}" type="slidenum">
               <a:rPr lang="en-US" smtClean="0"/>
-              <a:t>12</a:t>
+              <a:t>11</a:t>
             </a:fld>
             <a:endParaRPr lang="en-US"/>
           </a:p>
@@ -2353,7 +2471,7 @@
     </p:spTree>
     <p:extLst>
       <p:ext uri="{BB962C8B-B14F-4D97-AF65-F5344CB8AC3E}">
-        <p14:creationId xmlns:p14="http://schemas.microsoft.com/office/powerpoint/2010/main" val="915322334"/>
+        <p14:creationId xmlns:p14="http://schemas.microsoft.com/office/powerpoint/2010/main" val="768986245"/>
       </p:ext>
     </p:extLst>
   </p:cSld>
@@ -2407,35 +2525,6 @@
           <a:bodyPr/>
           <a:lstStyle/>
           <a:p>
-            <a:pPr marL="0" marR="0" indent="0" algn="l" defTabSz="457200" rtl="0" eaLnBrk="1" fontAlgn="auto" latinLnBrk="0" hangingPunct="1">
-              <a:lnSpc>
-                <a:spcPct val="100000"/>
-              </a:lnSpc>
-              <a:spcBef>
-                <a:spcPts val="0"/>
-              </a:spcBef>
-              <a:spcAft>
-                <a:spcPts val="0"/>
-              </a:spcAft>
-              <a:buClrTx/>
-              <a:buSzTx/>
-              <a:buFontTx/>
-              <a:buNone/>
-              <a:tabLst/>
-              <a:defRPr/>
-            </a:pPr>
-            <a:r>
-              <a:rPr lang="en-US" dirty="0" smtClean="0">
-                <a:hlinkClick r:id="rId3"/>
-              </a:rPr>
-              <a:t>https://developers.google.com/android/guides/api-client</a:t>
-            </a:r>
-            <a:r>
-              <a:rPr lang="en-US" dirty="0" smtClean="0"/>
-              <a:t> </a:t>
-            </a:r>
-          </a:p>
-          <a:p>
             <a:endParaRPr lang="en-US" dirty="0"/>
           </a:p>
         </p:txBody>
@@ -2457,7 +2546,7 @@
           <a:p>
             <a:fld id="{44EB6C7D-DFD8-944D-93E3-D07F7EBDDEA8}" type="slidenum">
               <a:rPr lang="en-US" smtClean="0"/>
-              <a:t>13</a:t>
+              <a:t>12</a:t>
             </a:fld>
             <a:endParaRPr lang="en-US"/>
           </a:p>
@@ -2466,7 +2555,7 @@
     </p:spTree>
     <p:extLst>
       <p:ext uri="{BB962C8B-B14F-4D97-AF65-F5344CB8AC3E}">
-        <p14:creationId xmlns:p14="http://schemas.microsoft.com/office/powerpoint/2010/main" val="3098523594"/>
+        <p14:creationId xmlns:p14="http://schemas.microsoft.com/office/powerpoint/2010/main" val="915322334"/>
       </p:ext>
     </p:extLst>
   </p:cSld>
@@ -2520,7 +2609,7 @@
           <a:bodyPr/>
           <a:lstStyle/>
           <a:p>
-            <a:pPr marL="0" marR="0" lvl="1" indent="0" algn="l" defTabSz="457200" rtl="0" eaLnBrk="1" fontAlgn="auto" latinLnBrk="0" hangingPunct="1">
+            <a:pPr marL="0" marR="0" indent="0" algn="l" defTabSz="457200" rtl="0" eaLnBrk="1" fontAlgn="auto" latinLnBrk="0" hangingPunct="1">
               <a:lnSpc>
                 <a:spcPct val="100000"/>
               </a:lnSpc>
@@ -2538,8 +2627,14 @@
               <a:defRPr/>
             </a:pPr>
             <a:r>
-              <a:rPr lang="en-US" sz="2000" dirty="0" smtClean="0"/>
-              <a:t>Required for automatic management of the connection to Google Play Services</a:t>
+              <a:rPr lang="en-US" dirty="0" smtClean="0">
+                <a:hlinkClick r:id="rId3"/>
+              </a:rPr>
+              <a:t>https://developers.google.com/android/guides/api-client</a:t>
+            </a:r>
+            <a:r>
+              <a:rPr lang="en-US" dirty="0" smtClean="0"/>
+              <a:t> </a:t>
             </a:r>
           </a:p>
           <a:p>
@@ -2564,7 +2659,7 @@
           <a:p>
             <a:fld id="{44EB6C7D-DFD8-944D-93E3-D07F7EBDDEA8}" type="slidenum">
               <a:rPr lang="en-US" smtClean="0"/>
-              <a:t>15</a:t>
+              <a:t>13</a:t>
             </a:fld>
             <a:endParaRPr lang="en-US"/>
           </a:p>
@@ -2573,7 +2668,7 @@
     </p:spTree>
     <p:extLst>
       <p:ext uri="{BB962C8B-B14F-4D97-AF65-F5344CB8AC3E}">
-        <p14:creationId xmlns:p14="http://schemas.microsoft.com/office/powerpoint/2010/main" val="1308882993"/>
+        <p14:creationId xmlns:p14="http://schemas.microsoft.com/office/powerpoint/2010/main" val="3098523594"/>
       </p:ext>
     </p:extLst>
   </p:cSld>
@@ -2764,7 +2859,7 @@
           <a:p>
             <a:fld id="{12110144-19AD-4D4E-902D-E18AF93089D3}" type="datetimeFigureOut">
               <a:rPr lang="en-US" smtClean="0"/>
-              <a:t>7/13/16</a:t>
+              <a:t>7/19/17</a:t>
             </a:fld>
             <a:endParaRPr lang="en-US"/>
           </a:p>
@@ -2934,7 +3029,7 @@
           <a:p>
             <a:fld id="{12110144-19AD-4D4E-902D-E18AF93089D3}" type="datetimeFigureOut">
               <a:rPr lang="en-US" smtClean="0"/>
-              <a:t>7/13/16</a:t>
+              <a:t>7/19/17</a:t>
             </a:fld>
             <a:endParaRPr lang="en-US"/>
           </a:p>
@@ -3114,7 +3209,7 @@
           <a:p>
             <a:fld id="{12110144-19AD-4D4E-902D-E18AF93089D3}" type="datetimeFigureOut">
               <a:rPr lang="en-US" smtClean="0"/>
-              <a:t>7/13/16</a:t>
+              <a:t>7/19/17</a:t>
             </a:fld>
             <a:endParaRPr lang="en-US"/>
           </a:p>
@@ -3284,7 +3379,7 @@
           <a:p>
             <a:fld id="{12110144-19AD-4D4E-902D-E18AF93089D3}" type="datetimeFigureOut">
               <a:rPr lang="en-US" smtClean="0"/>
-              <a:t>7/13/16</a:t>
+              <a:t>7/19/17</a:t>
             </a:fld>
             <a:endParaRPr lang="en-US"/>
           </a:p>
@@ -3530,7 +3625,7 @@
           <a:p>
             <a:fld id="{12110144-19AD-4D4E-902D-E18AF93089D3}" type="datetimeFigureOut">
               <a:rPr lang="en-US" smtClean="0"/>
-              <a:t>7/13/16</a:t>
+              <a:t>7/19/17</a:t>
             </a:fld>
             <a:endParaRPr lang="en-US"/>
           </a:p>
@@ -3818,7 +3913,7 @@
           <a:p>
             <a:fld id="{12110144-19AD-4D4E-902D-E18AF93089D3}" type="datetimeFigureOut">
               <a:rPr lang="en-US" smtClean="0"/>
-              <a:t>7/13/16</a:t>
+              <a:t>7/19/17</a:t>
             </a:fld>
             <a:endParaRPr lang="en-US"/>
           </a:p>
@@ -4240,7 +4335,7 @@
           <a:p>
             <a:fld id="{12110144-19AD-4D4E-902D-E18AF93089D3}" type="datetimeFigureOut">
               <a:rPr lang="en-US" smtClean="0"/>
-              <a:t>7/13/16</a:t>
+              <a:t>7/19/17</a:t>
             </a:fld>
             <a:endParaRPr lang="en-US"/>
           </a:p>
@@ -4358,7 +4453,7 @@
           <a:p>
             <a:fld id="{12110144-19AD-4D4E-902D-E18AF93089D3}" type="datetimeFigureOut">
               <a:rPr lang="en-US" smtClean="0"/>
-              <a:t>7/13/16</a:t>
+              <a:t>7/19/17</a:t>
             </a:fld>
             <a:endParaRPr lang="en-US"/>
           </a:p>
@@ -4453,7 +4548,7 @@
           <a:p>
             <a:fld id="{12110144-19AD-4D4E-902D-E18AF93089D3}" type="datetimeFigureOut">
               <a:rPr lang="en-US" smtClean="0"/>
-              <a:t>7/13/16</a:t>
+              <a:t>7/19/17</a:t>
             </a:fld>
             <a:endParaRPr lang="en-US"/>
           </a:p>
@@ -4730,7 +4825,7 @@
           <a:p>
             <a:fld id="{12110144-19AD-4D4E-902D-E18AF93089D3}" type="datetimeFigureOut">
               <a:rPr lang="en-US" smtClean="0"/>
-              <a:t>7/13/16</a:t>
+              <a:t>7/19/17</a:t>
             </a:fld>
             <a:endParaRPr lang="en-US"/>
           </a:p>
@@ -4983,7 +5078,7 @@
           <a:p>
             <a:fld id="{12110144-19AD-4D4E-902D-E18AF93089D3}" type="datetimeFigureOut">
               <a:rPr lang="en-US" smtClean="0"/>
-              <a:t>7/13/16</a:t>
+              <a:t>7/19/17</a:t>
             </a:fld>
             <a:endParaRPr lang="en-US"/>
           </a:p>
@@ -5214,7 +5309,7 @@
           <a:p>
             <a:fld id="{12110144-19AD-4D4E-902D-E18AF93089D3}" type="datetimeFigureOut">
               <a:rPr lang="en-US" smtClean="0"/>
-              <a:t>7/13/16</a:t>
+              <a:t>7/19/17</a:t>
             </a:fld>
             <a:endParaRPr lang="en-US"/>
           </a:p>
@@ -5686,7 +5781,7 @@
   <p:timing>
     <p:tnLst>
       <p:par>
-        <p:cTn xmlns:p14="http://schemas.microsoft.com/office/powerpoint/2010/main" id="1" dur="indefinite" restart="never" nodeType="tmRoot"/>
+        <p:cTn id="1" dur="indefinite" restart="never" nodeType="tmRoot"/>
       </p:par>
     </p:tnLst>
   </p:timing>
@@ -5819,7 +5914,7 @@
   <p:timing>
     <p:tnLst>
       <p:par>
-        <p:cTn xmlns:p14="http://schemas.microsoft.com/office/powerpoint/2010/main" id="1" dur="indefinite" restart="never" nodeType="tmRoot"/>
+        <p:cTn id="1" dur="indefinite" restart="never" nodeType="tmRoot"/>
       </p:par>
     </p:tnLst>
   </p:timing>
@@ -6016,7 +6111,7 @@
           <a:graphicData uri="http://schemas.openxmlformats.org/presentationml/2006/ole">
             <mc:AlternateContent xmlns:mc="http://schemas.openxmlformats.org/markup-compatibility/2006">
               <mc:Choice xmlns:v="urn:schemas-microsoft-com:vml" Requires="v">
-                <p:oleObj spid="_x0000_s5133" name="Document" r:id="rId4" imgW="6858000" imgH="2273300" progId="Word.Document.12">
+                <p:oleObj spid="_x0000_s5138" name="Document" r:id="rId4" imgW="6858000" imgH="2273300" progId="Word.Document.12">
                   <p:embed/>
                 </p:oleObj>
               </mc:Choice>
@@ -6064,7 +6159,7 @@
   <p:timing>
     <p:tnLst>
       <p:par>
-        <p:cTn xmlns:p14="http://schemas.microsoft.com/office/powerpoint/2010/main" id="1" dur="indefinite" restart="never" nodeType="tmRoot"/>
+        <p:cTn id="1" dur="indefinite" restart="never" nodeType="tmRoot"/>
       </p:par>
     </p:tnLst>
   </p:timing>
@@ -6139,11 +6234,7 @@
             </a:pPr>
             <a:r>
               <a:rPr lang="en-US" dirty="0" smtClean="0"/>
-              <a:t>© 2015, Mike Murach &amp; Associates, Inc</a:t>
-            </a:r>
-            <a:r>
-              <a:rPr lang="en-US" dirty="0" smtClean="0"/>
-              <a:t>. – Revised by Brian bird 2016</a:t>
+              <a:t>© 2015, Mike Murach &amp; Associates, Inc. – Revised by Brian bird 2016</a:t>
             </a:r>
             <a:endParaRPr lang="en-US" dirty="0"/>
           </a:p>
@@ -6216,7 +6307,7 @@
           <a:graphicData uri="http://schemas.openxmlformats.org/presentationml/2006/ole">
             <mc:AlternateContent xmlns:mc="http://schemas.openxmlformats.org/markup-compatibility/2006">
               <mc:Choice xmlns:v="urn:schemas-microsoft-com:vml" Requires="v">
-                <p:oleObj spid="_x0000_s3086" name="Document" r:id="rId4" imgW="6959600" imgH="774700" progId="Word.Document.12">
+                <p:oleObj spid="_x0000_s3091" name="Document" r:id="rId4" imgW="6959600" imgH="774700" progId="Word.Document.12">
                   <p:embed/>
                 </p:oleObj>
               </mc:Choice>
@@ -6292,7 +6383,7 @@
   <p:timing>
     <p:tnLst>
       <p:par>
-        <p:cTn xmlns:p14="http://schemas.microsoft.com/office/powerpoint/2010/main" id="1" dur="indefinite" restart="never" nodeType="tmRoot"/>
+        <p:cTn id="1" dur="indefinite" restart="never" nodeType="tmRoot"/>
       </p:par>
     </p:tnLst>
   </p:timing>
@@ -6457,7 +6548,7 @@
   <p:timing>
     <p:tnLst>
       <p:par>
-        <p:cTn xmlns:p14="http://schemas.microsoft.com/office/powerpoint/2010/main" id="1" dur="indefinite" restart="never" nodeType="tmRoot"/>
+        <p:cTn id="1" dur="indefinite" restart="never" nodeType="tmRoot"/>
       </p:par>
     </p:tnLst>
   </p:timing>
@@ -6696,7 +6787,7 @@
           <a:graphicData uri="http://schemas.openxmlformats.org/presentationml/2006/ole">
             <mc:AlternateContent xmlns:mc="http://schemas.openxmlformats.org/markup-compatibility/2006">
               <mc:Choice xmlns:v="urn:schemas-microsoft-com:vml" Requires="v">
-                <p:oleObj spid="_x0000_s6157" name="Document" r:id="rId6" imgW="8001000" imgH="1879600" progId="Word.Document.12">
+                <p:oleObj spid="_x0000_s6162" name="Document" r:id="rId6" imgW="8001000" imgH="1879600" progId="Word.Document.12">
                   <p:embed/>
                 </p:oleObj>
               </mc:Choice>
@@ -6744,7 +6835,7 @@
   <p:timing>
     <p:tnLst>
       <p:par>
-        <p:cTn xmlns:p14="http://schemas.microsoft.com/office/powerpoint/2010/main" id="1" dur="indefinite" restart="never" nodeType="tmRoot"/>
+        <p:cTn id="1" dur="indefinite" restart="never" nodeType="tmRoot"/>
       </p:par>
     </p:tnLst>
   </p:timing>
@@ -6876,7 +6967,7 @@
           <a:graphicData uri="http://schemas.openxmlformats.org/presentationml/2006/ole">
             <mc:AlternateContent xmlns:mc="http://schemas.openxmlformats.org/markup-compatibility/2006">
               <mc:Choice xmlns:v="urn:schemas-microsoft-com:vml" Requires="v">
-                <p:oleObj spid="_x0000_s7180" name="Document" r:id="rId4" imgW="8407400" imgH="4749800" progId="Word.Document.12">
+                <p:oleObj spid="_x0000_s7185" name="Document" r:id="rId4" imgW="8407400" imgH="4749800" progId="Word.Document.12">
                   <p:embed/>
                 </p:oleObj>
               </mc:Choice>
@@ -6924,7 +7015,7 @@
   <p:timing>
     <p:tnLst>
       <p:par>
-        <p:cTn xmlns:p14="http://schemas.microsoft.com/office/powerpoint/2010/main" id="1" dur="indefinite" restart="never" nodeType="tmRoot"/>
+        <p:cTn id="1" dur="indefinite" restart="never" nodeType="tmRoot"/>
       </p:par>
     </p:tnLst>
   </p:timing>
@@ -7161,7 +7252,7 @@
   <p:timing>
     <p:tnLst>
       <p:par>
-        <p:cTn xmlns:p14="http://schemas.microsoft.com/office/powerpoint/2010/main" id="1" dur="indefinite" restart="never" nodeType="tmRoot"/>
+        <p:cTn id="1" dur="indefinite" restart="never" nodeType="tmRoot"/>
       </p:par>
     </p:tnLst>
   </p:timing>
@@ -7304,7 +7395,7 @@
           <a:graphicData uri="http://schemas.openxmlformats.org/presentationml/2006/ole">
             <mc:AlternateContent xmlns:mc="http://schemas.openxmlformats.org/markup-compatibility/2006">
               <mc:Choice xmlns:v="urn:schemas-microsoft-com:vml" Requires="v">
-                <p:oleObj spid="_x0000_s4109" name="Document" r:id="rId3" imgW="7089176" imgH="5349981" progId="Word.Document.12">
+                <p:oleObj spid="_x0000_s4114" name="Document" r:id="rId3" imgW="7089176" imgH="5349981" progId="Word.Document.12">
                   <p:embed/>
                 </p:oleObj>
               </mc:Choice>
@@ -7352,7 +7443,7 @@
   <p:timing>
     <p:tnLst>
       <p:par>
-        <p:cTn xmlns:p14="http://schemas.microsoft.com/office/powerpoint/2010/main" id="1" dur="indefinite" restart="never" nodeType="tmRoot"/>
+        <p:cTn id="1" dur="indefinite" restart="never" nodeType="tmRoot"/>
       </p:par>
     </p:tnLst>
   </p:timing>
@@ -7460,7 +7551,7 @@
   <p:timing>
     <p:tnLst>
       <p:par>
-        <p:cTn xmlns:p14="http://schemas.microsoft.com/office/powerpoint/2010/main" id="1" dur="indefinite" restart="never" nodeType="tmRoot"/>
+        <p:cTn id="1" dur="indefinite" restart="never" nodeType="tmRoot"/>
       </p:par>
     </p:tnLst>
   </p:timing>
@@ -7853,7 +7944,7 @@
   <p:timing>
     <p:tnLst>
       <p:par>
-        <p:cTn xmlns:p14="http://schemas.microsoft.com/office/powerpoint/2010/main" id="1" dur="indefinite" restart="never" nodeType="tmRoot"/>
+        <p:cTn id="1" dur="indefinite" restart="never" nodeType="tmRoot"/>
       </p:par>
     </p:tnLst>
   </p:timing>
@@ -7923,14 +8014,14 @@
             <p:ph sz="half" idx="1"/>
             <p:extLst>
               <p:ext uri="{D42A27DB-BD31-4B8C-83A1-F6EECF244321}">
-                <p14:modId xmlns:p14="http://schemas.microsoft.com/office/powerpoint/2010/main" val="3088566508"/>
+                <p14:modId xmlns:p14="http://schemas.microsoft.com/office/powerpoint/2010/main" val="602796560"/>
               </p:ext>
             </p:extLst>
           </p:nvPr>
         </p:nvGraphicFramePr>
         <p:xfrm>
           <a:off x="457200" y="1404470"/>
-          <a:ext cx="3811200" cy="5152683"/>
+          <a:ext cx="3811200" cy="4725964"/>
         </p:xfrm>
         <a:graphic>
           <a:graphicData uri="http://schemas.openxmlformats.org/drawingml/2006/table">
@@ -8318,15 +8409,11 @@
                       </a:r>
                       <a:r>
                         <a:rPr lang="en-US" sz="2800" baseline="0" dirty="0" smtClean="0"/>
-                        <a:t> apps, </a:t>
+                        <a:t> </a:t>
                       </a:r>
                       <a:r>
-                        <a:rPr lang="en-US" sz="2800" u="none" baseline="0" dirty="0" smtClean="0">
-                          <a:solidFill>
-                            <a:schemeClr val="tx1"/>
-                          </a:solidFill>
-                        </a:rPr>
-                        <a:t>Fragments</a:t>
+                        <a:rPr lang="en-US" sz="2800" baseline="0" dirty="0" smtClean="0"/>
+                        <a:t>apps</a:t>
                       </a:r>
                       <a:endParaRPr lang="en-US" sz="2800" u="none" dirty="0" smtClean="0">
                         <a:solidFill>
@@ -8359,14 +8446,14 @@
             <p:ph sz="half" idx="2"/>
             <p:extLst>
               <p:ext uri="{D42A27DB-BD31-4B8C-83A1-F6EECF244321}">
-                <p14:modId xmlns:p14="http://schemas.microsoft.com/office/powerpoint/2010/main" val="2405958326"/>
+                <p14:modId xmlns:p14="http://schemas.microsoft.com/office/powerpoint/2010/main" val="2011886544"/>
               </p:ext>
             </p:extLst>
           </p:nvPr>
         </p:nvGraphicFramePr>
         <p:xfrm>
           <a:off x="4412426" y="1404470"/>
-          <a:ext cx="4274374" cy="3866745"/>
+          <a:ext cx="4274374" cy="4725964"/>
         </p:xfrm>
         <a:graphic>
           <a:graphicData uri="http://schemas.openxmlformats.org/drawingml/2006/table">
@@ -8378,7 +8465,7 @@
                 <a:gridCol w="589196"/>
                 <a:gridCol w="3685178"/>
               </a:tblGrid>
-              <a:tr h="375862">
+              <a:tr h="392915">
                 <a:tc>
                   <a:txBody>
                     <a:bodyPr/>
@@ -8408,7 +8495,68 @@
                   <a:tcPr/>
                 </a:tc>
               </a:tr>
-              <a:tr h="957676">
+              <a:tr h="683787">
+                <a:tc>
+                  <a:txBody>
+                    <a:bodyPr/>
+                    <a:lstStyle/>
+                    <a:p>
+                      <a:r>
+                        <a:rPr lang="en-US" sz="2800" dirty="0" smtClean="0"/>
+                        <a:t>3</a:t>
+                      </a:r>
+                      <a:endParaRPr lang="en-US" sz="2800" dirty="0"/>
+                    </a:p>
+                  </a:txBody>
+                  <a:tcPr>
+                    <a:solidFill>
+                      <a:schemeClr val="accent1">
+                        <a:lumMod val="20000"/>
+                        <a:lumOff val="80000"/>
+                      </a:schemeClr>
+                    </a:solidFill>
+                  </a:tcPr>
+                </a:tc>
+                <a:tc>
+                  <a:txBody>
+                    <a:bodyPr/>
+                    <a:lstStyle/>
+                    <a:p>
+                      <a:pPr marL="0" marR="0" indent="0" algn="l" defTabSz="457200" rtl="0" eaLnBrk="1" fontAlgn="auto" latinLnBrk="0" hangingPunct="1">
+                        <a:lnSpc>
+                          <a:spcPct val="100000"/>
+                        </a:lnSpc>
+                        <a:spcBef>
+                          <a:spcPts val="0"/>
+                        </a:spcBef>
+                        <a:spcAft>
+                          <a:spcPts val="0"/>
+                        </a:spcAft>
+                        <a:buClrTx/>
+                        <a:buSzTx/>
+                        <a:buFontTx/>
+                        <a:buNone/>
+                        <a:tabLst/>
+                        <a:defRPr/>
+                      </a:pPr>
+                      <a:r>
+                        <a:rPr lang="en-US" sz="2800" dirty="0" smtClean="0"/>
+                        <a:t>Fragments</a:t>
+                      </a:r>
+                      <a:endParaRPr lang="en-US" sz="2800" dirty="0" smtClean="0"/>
+                    </a:p>
+                  </a:txBody>
+                  <a:tcPr>
+                    <a:solidFill>
+                      <a:schemeClr val="accent1">
+                        <a:lumMod val="20000"/>
+                        <a:lumOff val="80000"/>
+                      </a:schemeClr>
+                    </a:solidFill>
+                  </a:tcPr>
+                </a:tc>
+              </a:tr>
+              <a:tr h="1001125">
                 <a:tc>
                   <a:txBody>
                     <a:bodyPr/>
@@ -8492,7 +8640,7 @@
                   </a:tcPr>
                 </a:tc>
               </a:tr>
-              <a:tr h="525177">
+              <a:tr h="549004">
                 <a:tc>
                   <a:txBody>
                     <a:bodyPr/>
@@ -8552,7 +8700,7 @@
                   </a:tcPr>
                 </a:tc>
               </a:tr>
-              <a:tr h="525177">
+              <a:tr h="549004">
                 <a:tc>
                   <a:txBody>
                     <a:bodyPr/>
@@ -8617,7 +8765,7 @@
                   </a:tcPr>
                 </a:tc>
               </a:tr>
-              <a:tr h="957676">
+              <a:tr h="1001125">
                 <a:tc>
                   <a:txBody>
                     <a:bodyPr/>
@@ -8677,7 +8825,7 @@
                   </a:tcPr>
                 </a:tc>
               </a:tr>
-              <a:tr h="525177">
+              <a:tr h="549004">
                 <a:tc>
                   <a:txBody>
                     <a:bodyPr/>
@@ -8748,7 +8896,7 @@
   <p:timing>
     <p:tnLst>
       <p:par>
-        <p:cTn xmlns:p14="http://schemas.microsoft.com/office/powerpoint/2010/main" id="1" dur="indefinite" restart="never" nodeType="tmRoot"/>
+        <p:cTn id="1" dur="indefinite" restart="never" nodeType="tmRoot"/>
       </p:par>
     </p:tnLst>
   </p:timing>
@@ -8876,7 +9024,7 @@
   <p:timing>
     <p:tnLst>
       <p:par>
-        <p:cTn xmlns:p14="http://schemas.microsoft.com/office/powerpoint/2010/main" id="1" dur="indefinite" restart="never" nodeType="tmRoot"/>
+        <p:cTn id="1" dur="indefinite" restart="never" nodeType="tmRoot"/>
       </p:par>
     </p:tnLst>
   </p:timing>
@@ -8954,14 +9102,17 @@
           <a:p>
             <a:r>
               <a:rPr lang="en-US" dirty="0" smtClean="0"/>
-              <a:t>First, set up your emulator to test an app that uses the Fused Location Provider, </a:t>
-            </a:r>
-            <a:r>
-              <a:rPr lang="en-US" dirty="0" err="1" smtClean="0"/>
-              <a:t>see:</a:t>
-            </a:r>
-            <a:r>
-              <a:rPr lang="en-US" dirty="0" err="1" smtClean="0">
+              <a:t>First, set up your emulator to test an app that uses the Fused Location Provider, see</a:t>
+            </a:r>
+            <a:r>
+              <a:rPr lang="en-US" dirty="0" smtClean="0"/>
+              <a:t>:</a:t>
+            </a:r>
+            <a:br>
+              <a:rPr lang="en-US" dirty="0" smtClean="0"/>
+            </a:br>
+            <a:r>
+              <a:rPr lang="en-US" dirty="0" smtClean="0">
                 <a:hlinkClick r:id="rId3"/>
               </a:rPr>
               <a:t>https</a:t>
@@ -9032,7 +9183,7 @@
   <p:timing>
     <p:tnLst>
       <p:par>
-        <p:cTn xmlns:p14="http://schemas.microsoft.com/office/powerpoint/2010/main" id="1" dur="indefinite" restart="never" nodeType="tmRoot"/>
+        <p:cTn id="1" dur="indefinite" restart="never" nodeType="tmRoot"/>
       </p:par>
     </p:tnLst>
   </p:timing>
@@ -9213,7 +9364,7 @@
           <a:graphicData uri="http://schemas.openxmlformats.org/presentationml/2006/ole">
             <mc:AlternateContent xmlns:mc="http://schemas.openxmlformats.org/markup-compatibility/2006">
               <mc:Choice xmlns:v="urn:schemas-microsoft-com:vml" Requires="v">
-                <p:oleObj spid="_x0000_s10248" name="Document" r:id="rId4" imgW="6965814" imgH="5266463" progId="Word.Document.12">
+                <p:oleObj spid="_x0000_s10253" name="Document" r:id="rId4" imgW="6965814" imgH="5266463" progId="Word.Document.12">
                   <p:embed/>
                 </p:oleObj>
               </mc:Choice>
@@ -9261,7 +9412,7 @@
   <p:timing>
     <p:tnLst>
       <p:par>
-        <p:cTn xmlns:p14="http://schemas.microsoft.com/office/powerpoint/2010/main" id="1" dur="indefinite" restart="never" nodeType="tmRoot"/>
+        <p:cTn id="1" dur="indefinite" restart="never" nodeType="tmRoot"/>
       </p:par>
     </p:tnLst>
   </p:timing>
@@ -9442,7 +9593,7 @@
           <a:graphicData uri="http://schemas.openxmlformats.org/presentationml/2006/ole">
             <mc:AlternateContent xmlns:mc="http://schemas.openxmlformats.org/markup-compatibility/2006">
               <mc:Choice xmlns:v="urn:schemas-microsoft-com:vml" Requires="v">
-                <p:oleObj spid="_x0000_s9224" name="Document" r:id="rId4" imgW="6965814" imgH="5267903" progId="Word.Document.12">
+                <p:oleObj spid="_x0000_s9229" name="Document" r:id="rId4" imgW="6965814" imgH="5267903" progId="Word.Document.12">
                   <p:embed/>
                 </p:oleObj>
               </mc:Choice>
@@ -9490,7 +9641,7 @@
   <p:timing>
     <p:tnLst>
       <p:par>
-        <p:cTn xmlns:p14="http://schemas.microsoft.com/office/powerpoint/2010/main" id="1" dur="indefinite" restart="never" nodeType="tmRoot"/>
+        <p:cTn id="1" dur="indefinite" restart="never" nodeType="tmRoot"/>
       </p:par>
     </p:tnLst>
   </p:timing>
@@ -9671,7 +9822,7 @@
           <a:graphicData uri="http://schemas.openxmlformats.org/presentationml/2006/ole">
             <mc:AlternateContent xmlns:mc="http://schemas.openxmlformats.org/markup-compatibility/2006">
               <mc:Choice xmlns:v="urn:schemas-microsoft-com:vml" Requires="v">
-                <p:oleObj spid="_x0000_s11272" name="Document" r:id="rId4" imgW="7606473" imgH="5452300" progId="Word.Document.12">
+                <p:oleObj spid="_x0000_s11277" name="Document" r:id="rId4" imgW="7606473" imgH="5452300" progId="Word.Document.12">
                   <p:embed/>
                 </p:oleObj>
               </mc:Choice>
@@ -9719,7 +9870,7 @@
   <p:timing>
     <p:tnLst>
       <p:par>
-        <p:cTn xmlns:p14="http://schemas.microsoft.com/office/powerpoint/2010/main" id="1" dur="indefinite" restart="never" nodeType="tmRoot"/>
+        <p:cTn id="1" dur="indefinite" restart="never" nodeType="tmRoot"/>
       </p:par>
     </p:tnLst>
   </p:timing>
@@ -9900,7 +10051,7 @@
           <a:graphicData uri="http://schemas.openxmlformats.org/presentationml/2006/ole">
             <mc:AlternateContent xmlns:mc="http://schemas.openxmlformats.org/markup-compatibility/2006">
               <mc:Choice xmlns:v="urn:schemas-microsoft-com:vml" Requires="v">
-                <p:oleObj spid="_x0000_s12296" name="Document" r:id="rId4" imgW="7514950" imgH="4913876" progId="Word.Document.12">
+                <p:oleObj spid="_x0000_s12301" name="Document" r:id="rId4" imgW="7514950" imgH="4913876" progId="Word.Document.12">
                   <p:embed/>
                 </p:oleObj>
               </mc:Choice>
@@ -9948,7 +10099,7 @@
   <p:timing>
     <p:tnLst>
       <p:par>
-        <p:cTn xmlns:p14="http://schemas.microsoft.com/office/powerpoint/2010/main" id="1" dur="indefinite" restart="never" nodeType="tmRoot"/>
+        <p:cTn id="1" dur="indefinite" restart="never" nodeType="tmRoot"/>
       </p:par>
     </p:tnLst>
   </p:timing>
@@ -10129,7 +10280,7 @@
           <a:graphicData uri="http://schemas.openxmlformats.org/presentationml/2006/ole">
             <mc:AlternateContent xmlns:mc="http://schemas.openxmlformats.org/markup-compatibility/2006">
               <mc:Choice xmlns:v="urn:schemas-microsoft-com:vml" Requires="v">
-                <p:oleObj spid="_x0000_s13320" name="Document" r:id="rId4" imgW="7630842" imgH="5099212" progId="Word.Document.12">
+                <p:oleObj spid="_x0000_s13325" name="Document" r:id="rId4" imgW="7630842" imgH="5099212" progId="Word.Document.12">
                   <p:embed/>
                 </p:oleObj>
               </mc:Choice>
@@ -10177,7 +10328,7 @@
   <p:timing>
     <p:tnLst>
       <p:par>
-        <p:cTn xmlns:p14="http://schemas.microsoft.com/office/powerpoint/2010/main" id="1" dur="indefinite" restart="never" nodeType="tmRoot"/>
+        <p:cTn id="1" dur="indefinite" restart="never" nodeType="tmRoot"/>
       </p:par>
     </p:tnLst>
   </p:timing>
@@ -10358,7 +10509,7 @@
           <a:graphicData uri="http://schemas.openxmlformats.org/presentationml/2006/ole">
             <mc:AlternateContent xmlns:mc="http://schemas.openxmlformats.org/markup-compatibility/2006">
               <mc:Choice xmlns:v="urn:schemas-microsoft-com:vml" Requires="v">
-                <p:oleObj spid="_x0000_s14344" name="Document" r:id="rId4" imgW="7402299" imgH="4704170" progId="Word.Document.12">
+                <p:oleObj spid="_x0000_s14349" name="Document" r:id="rId4" imgW="7402299" imgH="4704170" progId="Word.Document.12">
                   <p:embed/>
                 </p:oleObj>
               </mc:Choice>
@@ -10406,7 +10557,7 @@
   <p:timing>
     <p:tnLst>
       <p:par>
-        <p:cTn xmlns:p14="http://schemas.microsoft.com/office/powerpoint/2010/main" id="1" dur="indefinite" restart="never" nodeType="tmRoot"/>
+        <p:cTn id="1" dur="indefinite" restart="never" nodeType="tmRoot"/>
       </p:par>
     </p:tnLst>
   </p:timing>
@@ -10587,7 +10738,7 @@
           <a:graphicData uri="http://schemas.openxmlformats.org/presentationml/2006/ole">
             <mc:AlternateContent xmlns:mc="http://schemas.openxmlformats.org/markup-compatibility/2006">
               <mc:Choice xmlns:v="urn:schemas-microsoft-com:vml" Requires="v">
-                <p:oleObj spid="_x0000_s15368" name="Document" r:id="rId4" imgW="6957808" imgH="4984801" progId="Word.Document.12">
+                <p:oleObj spid="_x0000_s15373" name="Document" r:id="rId4" imgW="6957808" imgH="4984801" progId="Word.Document.12">
                   <p:embed/>
                 </p:oleObj>
               </mc:Choice>
@@ -10635,7 +10786,7 @@
   <p:timing>
     <p:tnLst>
       <p:par>
-        <p:cTn xmlns:p14="http://schemas.microsoft.com/office/powerpoint/2010/main" id="1" dur="indefinite" restart="never" nodeType="tmRoot"/>
+        <p:cTn id="1" dur="indefinite" restart="never" nodeType="tmRoot"/>
       </p:par>
     </p:tnLst>
   </p:timing>
@@ -10816,7 +10967,7 @@
           <a:graphicData uri="http://schemas.openxmlformats.org/presentationml/2006/ole">
             <mc:AlternateContent xmlns:mc="http://schemas.openxmlformats.org/markup-compatibility/2006">
               <mc:Choice xmlns:v="urn:schemas-microsoft-com:vml" Requires="v">
-                <p:oleObj spid="_x0000_s16392" name="Document" r:id="rId4" imgW="7265172" imgH="5600390" progId="Word.Document.12">
+                <p:oleObj spid="_x0000_s16397" name="Document" r:id="rId4" imgW="7265172" imgH="5600390" progId="Word.Document.12">
                   <p:embed/>
                 </p:oleObj>
               </mc:Choice>
@@ -10864,7 +11015,7 @@
   <p:timing>
     <p:tnLst>
       <p:par>
-        <p:cTn xmlns:p14="http://schemas.microsoft.com/office/powerpoint/2010/main" id="1" dur="indefinite" restart="never" nodeType="tmRoot"/>
+        <p:cTn id="1" dur="indefinite" restart="never" nodeType="tmRoot"/>
       </p:par>
     </p:tnLst>
   </p:timing>
@@ -10909,15 +11060,7 @@
                   <a:srgbClr val="0000FF"/>
                 </a:solidFill>
               </a:rPr>
-              <a:t>Android Geolocation </a:t>
-            </a:r>
-            <a:r>
-              <a:rPr lang="en-US" dirty="0" smtClean="0">
-                <a:solidFill>
-                  <a:srgbClr val="0000FF"/>
-                </a:solidFill>
-              </a:rPr>
-              <a:t>APIs</a:t>
+              <a:t>Android Geolocation APIs</a:t>
             </a:r>
             <a:endParaRPr lang="en-US" dirty="0">
               <a:solidFill>
@@ -10993,7 +11136,7 @@
   <p:timing>
     <p:tnLst>
       <p:par>
-        <p:cTn xmlns:p14="http://schemas.microsoft.com/office/powerpoint/2010/main" id="1" dur="indefinite" restart="never" nodeType="tmRoot"/>
+        <p:cTn id="1" dur="indefinite" restart="never" nodeType="tmRoot"/>
       </p:par>
     </p:tnLst>
   </p:timing>
@@ -11122,7 +11265,7 @@
       <p:transition spd="slow" p14:dur="2000"/>
     </mc:Choice>
     <mc:Fallback>
-      <p:transition xmlns:p14="http://schemas.microsoft.com/office/powerpoint/2010/main" spd="slow"/>
+      <p:transition spd="slow"/>
     </mc:Fallback>
   </mc:AlternateContent>
 </p:sld>
@@ -11185,15 +11328,7 @@
                   <a:srgbClr val="0000FF"/>
                 </a:solidFill>
               </a:rPr>
-              <a:t>Further </a:t>
-            </a:r>
-            <a:r>
-              <a:rPr lang="en-US" b="1" dirty="0" smtClean="0">
-                <a:solidFill>
-                  <a:srgbClr val="0000FF"/>
-                </a:solidFill>
-              </a:rPr>
-              <a:t>Geolocation Reading</a:t>
+              <a:t>Further Geolocation Reading</a:t>
             </a:r>
             <a:endParaRPr lang="en-US" b="1" dirty="0">
               <a:solidFill>
@@ -11247,16 +11382,11 @@
               <a:rPr lang="en-US" sz="2400" dirty="0" smtClean="0"/>
               <a:t> </a:t>
             </a:r>
-            <a:endParaRPr lang="en-US" sz="2400" dirty="0" smtClean="0"/>
           </a:p>
           <a:p>
             <a:r>
               <a:rPr lang="en-US" dirty="0" smtClean="0"/>
-              <a:t>Tutorial: Making</a:t>
-            </a:r>
-            <a:r>
-              <a:rPr lang="en-US" dirty="0" smtClean="0"/>
-              <a:t> Your App Location-Aware</a:t>
+              <a:t>Tutorial: Making Your App Location-Aware</a:t>
             </a:r>
             <a:r>
               <a:rPr lang="en-US" dirty="0"/>
@@ -11327,18 +11457,18 @@
   <p:clrMapOvr>
     <a:masterClrMapping/>
   </p:clrMapOvr>
-  <mc:AlternateContent xmlns:mc="http://schemas.openxmlformats.org/markup-compatibility/2006">
-    <mc:Choice xmlns:p14="http://schemas.microsoft.com/office/powerpoint/2010/main" Requires="p14">
+  <mc:AlternateContent xmlns:mc="http://schemas.openxmlformats.org/markup-compatibility/2006" xmlns:p14="http://schemas.microsoft.com/office/powerpoint/2010/main">
+    <mc:Choice Requires="p14">
       <p:transition spd="slow" p14:dur="2000"/>
     </mc:Choice>
-    <mc:Fallback>
+    <mc:Fallback xmlns="">
       <p:transition xmlns:p14="http://schemas.microsoft.com/office/powerpoint/2010/main" spd="slow"/>
     </mc:Fallback>
   </mc:AlternateContent>
   <p:timing>
     <p:tnLst>
       <p:par>
-        <p:cTn xmlns:p14="http://schemas.microsoft.com/office/powerpoint/2010/main" id="1" dur="indefinite" restart="never" nodeType="tmRoot"/>
+        <p:cTn id="1" dur="indefinite" restart="never" nodeType="tmRoot"/>
       </p:par>
     </p:tnLst>
   </p:timing>
@@ -11403,14 +11533,14 @@
             <p:ph idx="1"/>
             <p:extLst>
               <p:ext uri="{D42A27DB-BD31-4B8C-83A1-F6EECF244321}">
-                <p14:modId xmlns:p14="http://schemas.microsoft.com/office/powerpoint/2010/main" val="1884605297"/>
+                <p14:modId xmlns:p14="http://schemas.microsoft.com/office/powerpoint/2010/main" val="1175060471"/>
               </p:ext>
             </p:extLst>
           </p:nvPr>
         </p:nvGraphicFramePr>
         <p:xfrm>
           <a:off x="457200" y="2235146"/>
-          <a:ext cx="8229600" cy="2499359"/>
+          <a:ext cx="8229600" cy="3017520"/>
         </p:xfrm>
         <a:graphic>
           <a:graphicData uri="http://schemas.openxmlformats.org/drawingml/2006/table">
@@ -11615,6 +11745,50 @@
                   <a:tcPr/>
                 </a:tc>
               </a:tr>
+              <a:tr h="370840">
+                <a:tc>
+                  <a:txBody>
+                    <a:bodyPr/>
+                    <a:lstStyle/>
+                    <a:p>
+                      <a:r>
+                        <a:rPr lang="en-US" sz="2800" dirty="0" smtClean="0"/>
+                        <a:t>Passive</a:t>
+                      </a:r>
+                      <a:endParaRPr lang="en-US" sz="2800" dirty="0"/>
+                    </a:p>
+                  </a:txBody>
+                  <a:tcPr/>
+                </a:tc>
+                <a:tc>
+                  <a:txBody>
+                    <a:bodyPr/>
+                    <a:lstStyle/>
+                    <a:p>
+                      <a:r>
+                        <a:rPr lang="en-US" sz="2800" dirty="0" smtClean="0"/>
+                        <a:t>Variable</a:t>
+                      </a:r>
+                      <a:endParaRPr lang="en-US" sz="2800" dirty="0"/>
+                    </a:p>
+                  </a:txBody>
+                  <a:tcPr/>
+                </a:tc>
+                <a:tc>
+                  <a:txBody>
+                    <a:bodyPr/>
+                    <a:lstStyle/>
+                    <a:p>
+                      <a:r>
+                        <a:rPr lang="en-US" sz="2800" dirty="0" smtClean="0"/>
+                        <a:t>None</a:t>
+                      </a:r>
+                      <a:endParaRPr lang="en-US" sz="2800" dirty="0"/>
+                    </a:p>
+                  </a:txBody>
+                  <a:tcPr/>
+                </a:tc>
+              </a:tr>
             </a:tbl>
           </a:graphicData>
         </a:graphic>
@@ -11632,7 +11806,7 @@
   <p:timing>
     <p:tnLst>
       <p:par>
-        <p:cTn xmlns:p14="http://schemas.microsoft.com/office/powerpoint/2010/main" id="1" dur="indefinite" restart="never" nodeType="tmRoot"/>
+        <p:cTn id="1" dur="indefinite" restart="never" nodeType="tmRoot"/>
       </p:par>
     </p:tnLst>
   </p:timing>
@@ -11775,12 +11949,12 @@
           <a:graphicData uri="http://schemas.openxmlformats.org/presentationml/2006/ole">
             <mc:AlternateContent xmlns:mc="http://schemas.openxmlformats.org/markup-compatibility/2006">
               <mc:Choice xmlns:v="urn:schemas-microsoft-com:vml" Requires="v">
-                <p:oleObj spid="_x0000_s1038" name="Document" r:id="rId3" imgW="6856313" imgH="5243485" progId="Word.Document.12">
+                <p:oleObj spid="_x0000_s1043" name="Document" r:id="rId4" imgW="6856313" imgH="5243485" progId="Word.Document.12">
                   <p:embed/>
                 </p:oleObj>
               </mc:Choice>
               <mc:Fallback>
-                <p:oleObj name="Document" r:id="rId3" imgW="6856313" imgH="5243485" progId="Word.Document.12">
+                <p:oleObj name="Document" r:id="rId4" imgW="6856313" imgH="5243485" progId="Word.Document.12">
                   <p:embed/>
                   <p:pic>
                     <p:nvPicPr>
@@ -11789,7 +11963,7 @@
                       <p:nvPr/>
                     </p:nvPicPr>
                     <p:blipFill>
-                      <a:blip r:embed="rId4"/>
+                      <a:blip r:embed="rId5"/>
                       <a:stretch>
                         <a:fillRect/>
                       </a:stretch>
@@ -11823,7 +11997,7 @@
   <p:timing>
     <p:tnLst>
       <p:par>
-        <p:cTn xmlns:p14="http://schemas.microsoft.com/office/powerpoint/2010/main" id="1" dur="indefinite" restart="never" nodeType="tmRoot"/>
+        <p:cTn id="1" dur="indefinite" restart="never" nodeType="tmRoot"/>
       </p:par>
     </p:tnLst>
   </p:timing>
@@ -11917,14 +12091,14 @@
             <a:pPr>
               <a:defRPr/>
             </a:pPr>
-            <a:endParaRPr lang="en-US" smtClean="0"/>
+            <a:endParaRPr lang="en-US" dirty="0" smtClean="0"/>
           </a:p>
           <a:p>
             <a:pPr algn="r">
               <a:defRPr/>
             </a:pPr>
             <a:r>
-              <a:rPr lang="en-US" sz="900" smtClean="0">
+              <a:rPr lang="en-US" sz="900" dirty="0" smtClean="0">
                 <a:latin typeface="Arial Narrow" pitchFamily="34" charset="0"/>
               </a:rPr>
               <a:t>Slide </a:t>
@@ -11938,7 +12112,7 @@
               </a:pPr>
               <a:t>6</a:t>
             </a:fld>
-            <a:endParaRPr lang="en-US" sz="900">
+            <a:endParaRPr lang="en-US" sz="900" dirty="0">
               <a:latin typeface="Arial Narrow" pitchFamily="34" charset="0"/>
             </a:endParaRPr>
           </a:p>
@@ -11966,7 +12140,7 @@
           <a:graphicData uri="http://schemas.openxmlformats.org/presentationml/2006/ole">
             <mc:AlternateContent xmlns:mc="http://schemas.openxmlformats.org/markup-compatibility/2006">
               <mc:Choice xmlns:v="urn:schemas-microsoft-com:vml" Requires="v">
-                <p:oleObj spid="_x0000_s2062" name="Document" r:id="rId3" imgW="6965814" imgH="2088506" progId="Word.Document.12">
+                <p:oleObj spid="_x0000_s2067" name="Document" r:id="rId3" imgW="6965814" imgH="2088506" progId="Word.Document.12">
                   <p:embed/>
                 </p:oleObj>
               </mc:Choice>
@@ -12014,7 +12188,7 @@
   <p:timing>
     <p:tnLst>
       <p:par>
-        <p:cTn xmlns:p14="http://schemas.microsoft.com/office/powerpoint/2010/main" id="1" dur="indefinite" restart="never" nodeType="tmRoot"/>
+        <p:cTn id="1" dur="indefinite" restart="never" nodeType="tmRoot"/>
       </p:par>
     </p:tnLst>
   </p:timing>
@@ -12138,11 +12312,7 @@
             <a:pPr lvl="1"/>
             <a:r>
               <a:rPr lang="en-US" dirty="0" smtClean="0"/>
-              <a:t>Preferred by Google, requires Google Play </a:t>
-            </a:r>
-            <a:r>
-              <a:rPr lang="en-US" dirty="0" smtClean="0"/>
-              <a:t>Services</a:t>
+              <a:t>Preferred by Google, requires Google Play Services</a:t>
             </a:r>
           </a:p>
         </p:txBody>
@@ -12160,7 +12330,7 @@
   <p:timing>
     <p:tnLst>
       <p:par>
-        <p:cTn xmlns:p14="http://schemas.microsoft.com/office/powerpoint/2010/main" id="1" dur="indefinite" restart="never" nodeType="tmRoot"/>
+        <p:cTn id="1" dur="indefinite" restart="never" nodeType="tmRoot"/>
       </p:par>
     </p:tnLst>
   </p:timing>
@@ -12268,7 +12438,7 @@
   <p:timing>
     <p:tnLst>
       <p:par>
-        <p:cTn xmlns:p14="http://schemas.microsoft.com/office/powerpoint/2010/main" id="1" dur="indefinite" restart="never" nodeType="tmRoot"/>
+        <p:cTn id="1" dur="indefinite" restart="never" nodeType="tmRoot"/>
       </p:par>
     </p:tnLst>
   </p:timing>
@@ -12395,7 +12565,7 @@
   <p:timing>
     <p:tnLst>
       <p:par>
-        <p:cTn xmlns:p14="http://schemas.microsoft.com/office/powerpoint/2010/main" id="1" dur="indefinite" restart="never" nodeType="tmRoot"/>
+        <p:cTn id="1" dur="indefinite" restart="never" nodeType="tmRoot"/>
       </p:par>
     </p:tnLst>
   </p:timing>
